--- a/document/Tensor.pptx
+++ b/document/Tensor.pptx
@@ -248,7 +248,7 @@
           <a:p>
             <a:fld id="{F230FA74-3580-40AE-ABBA-B0AE97308F37}" type="datetimeFigureOut">
               <a:rPr lang="ko-KR" altLang="en-US" smtClean="0"/>
-              <a:t>2017-11-15</a:t>
+              <a:t>2017-11-17</a:t>
             </a:fld>
             <a:endParaRPr lang="ko-KR" altLang="en-US"/>
           </a:p>
@@ -416,7 +416,7 @@
           <a:p>
             <a:fld id="{F230FA74-3580-40AE-ABBA-B0AE97308F37}" type="datetimeFigureOut">
               <a:rPr lang="ko-KR" altLang="en-US" smtClean="0"/>
-              <a:t>2017-11-15</a:t>
+              <a:t>2017-11-17</a:t>
             </a:fld>
             <a:endParaRPr lang="ko-KR" altLang="en-US"/>
           </a:p>
@@ -594,7 +594,7 @@
           <a:p>
             <a:fld id="{F230FA74-3580-40AE-ABBA-B0AE97308F37}" type="datetimeFigureOut">
               <a:rPr lang="ko-KR" altLang="en-US" smtClean="0"/>
-              <a:t>2017-11-15</a:t>
+              <a:t>2017-11-17</a:t>
             </a:fld>
             <a:endParaRPr lang="ko-KR" altLang="en-US"/>
           </a:p>
@@ -762,7 +762,7 @@
           <a:p>
             <a:fld id="{F230FA74-3580-40AE-ABBA-B0AE97308F37}" type="datetimeFigureOut">
               <a:rPr lang="ko-KR" altLang="en-US" smtClean="0"/>
-              <a:t>2017-11-15</a:t>
+              <a:t>2017-11-17</a:t>
             </a:fld>
             <a:endParaRPr lang="ko-KR" altLang="en-US"/>
           </a:p>
@@ -1007,7 +1007,7 @@
           <a:p>
             <a:fld id="{F230FA74-3580-40AE-ABBA-B0AE97308F37}" type="datetimeFigureOut">
               <a:rPr lang="ko-KR" altLang="en-US" smtClean="0"/>
-              <a:t>2017-11-15</a:t>
+              <a:t>2017-11-17</a:t>
             </a:fld>
             <a:endParaRPr lang="ko-KR" altLang="en-US"/>
           </a:p>
@@ -1236,7 +1236,7 @@
           <a:p>
             <a:fld id="{F230FA74-3580-40AE-ABBA-B0AE97308F37}" type="datetimeFigureOut">
               <a:rPr lang="ko-KR" altLang="en-US" smtClean="0"/>
-              <a:t>2017-11-15</a:t>
+              <a:t>2017-11-17</a:t>
             </a:fld>
             <a:endParaRPr lang="ko-KR" altLang="en-US"/>
           </a:p>
@@ -1600,7 +1600,7 @@
           <a:p>
             <a:fld id="{F230FA74-3580-40AE-ABBA-B0AE97308F37}" type="datetimeFigureOut">
               <a:rPr lang="ko-KR" altLang="en-US" smtClean="0"/>
-              <a:t>2017-11-15</a:t>
+              <a:t>2017-11-17</a:t>
             </a:fld>
             <a:endParaRPr lang="ko-KR" altLang="en-US"/>
           </a:p>
@@ -1717,7 +1717,7 @@
           <a:p>
             <a:fld id="{F230FA74-3580-40AE-ABBA-B0AE97308F37}" type="datetimeFigureOut">
               <a:rPr lang="ko-KR" altLang="en-US" smtClean="0"/>
-              <a:t>2017-11-15</a:t>
+              <a:t>2017-11-17</a:t>
             </a:fld>
             <a:endParaRPr lang="ko-KR" altLang="en-US"/>
           </a:p>
@@ -1812,7 +1812,7 @@
           <a:p>
             <a:fld id="{F230FA74-3580-40AE-ABBA-B0AE97308F37}" type="datetimeFigureOut">
               <a:rPr lang="ko-KR" altLang="en-US" smtClean="0"/>
-              <a:t>2017-11-15</a:t>
+              <a:t>2017-11-17</a:t>
             </a:fld>
             <a:endParaRPr lang="ko-KR" altLang="en-US"/>
           </a:p>
@@ -2087,7 +2087,7 @@
           <a:p>
             <a:fld id="{F230FA74-3580-40AE-ABBA-B0AE97308F37}" type="datetimeFigureOut">
               <a:rPr lang="ko-KR" altLang="en-US" smtClean="0"/>
-              <a:t>2017-11-15</a:t>
+              <a:t>2017-11-17</a:t>
             </a:fld>
             <a:endParaRPr lang="ko-KR" altLang="en-US"/>
           </a:p>
@@ -2339,7 +2339,7 @@
           <a:p>
             <a:fld id="{F230FA74-3580-40AE-ABBA-B0AE97308F37}" type="datetimeFigureOut">
               <a:rPr lang="ko-KR" altLang="en-US" smtClean="0"/>
-              <a:t>2017-11-15</a:t>
+              <a:t>2017-11-17</a:t>
             </a:fld>
             <a:endParaRPr lang="ko-KR" altLang="en-US"/>
           </a:p>
@@ -2550,7 +2550,7 @@
           <a:p>
             <a:fld id="{F230FA74-3580-40AE-ABBA-B0AE97308F37}" type="datetimeFigureOut">
               <a:rPr lang="ko-KR" altLang="en-US" smtClean="0"/>
-              <a:t>2017-11-15</a:t>
+              <a:t>2017-11-17</a:t>
             </a:fld>
             <a:endParaRPr lang="ko-KR" altLang="en-US"/>
           </a:p>
@@ -3293,6 +3293,64 @@
           </a:bodyPr>
           <a:lstStyle/>
           <a:p>
+            <a:r>
+              <a:rPr lang="ko-KR" altLang="en-US" b="1" dirty="0" err="1"/>
+              <a:t>딥러닝</a:t>
+            </a:r>
+            <a:r>
+              <a:rPr lang="ko-KR" altLang="en-US" b="1" dirty="0"/>
+              <a:t> 이론에서 </a:t>
+            </a:r>
+            <a:r>
+              <a:rPr lang="ko-KR" altLang="en-US" b="1" dirty="0" smtClean="0"/>
+              <a:t>실습까지 </a:t>
+            </a:r>
+            <a:r>
+              <a:rPr lang="en-US" altLang="ko-KR" b="1" dirty="0" smtClean="0"/>
+              <a:t>(by </a:t>
+            </a:r>
+            <a:r>
+              <a:rPr lang="ko-KR" altLang="en-US" b="1" dirty="0" err="1"/>
+              <a:t>엑셈</a:t>
+            </a:r>
+            <a:r>
+              <a:rPr lang="en-US" altLang="ko-KR" b="1" dirty="0"/>
+              <a:t>-</a:t>
+            </a:r>
+            <a:r>
+              <a:rPr lang="ko-KR" altLang="en-US" b="1" dirty="0" err="1"/>
+              <a:t>포스텍</a:t>
+            </a:r>
+            <a:r>
+              <a:rPr lang="ko-KR" altLang="en-US" b="1" dirty="0"/>
+              <a:t> </a:t>
+            </a:r>
+            <a:r>
+              <a:rPr lang="en-US" altLang="ko-KR" b="1" dirty="0"/>
+              <a:t>R&amp;D </a:t>
+            </a:r>
+            <a:r>
+              <a:rPr lang="ko-KR" altLang="en-US" b="1" dirty="0" smtClean="0"/>
+              <a:t>센터 </a:t>
+            </a:r>
+            <a:r>
+              <a:rPr lang="ko-KR" altLang="en-US" b="1" dirty="0" err="1" smtClean="0"/>
+              <a:t>머신러닝팀</a:t>
+            </a:r>
+            <a:r>
+              <a:rPr lang="ko-KR" altLang="en-US" b="1" dirty="0" smtClean="0"/>
+              <a:t> </a:t>
+            </a:r>
+            <a:r>
+              <a:rPr lang="ko-KR" altLang="en-US" b="1" dirty="0" err="1" smtClean="0"/>
+              <a:t>이도엽</a:t>
+            </a:r>
+            <a:r>
+              <a:rPr lang="en-US" altLang="ko-KR" b="1" smtClean="0"/>
+              <a:t>)</a:t>
+            </a:r>
+          </a:p>
+          <a:p>
             <a:endParaRPr lang="en-US" altLang="ko-KR" dirty="0">
               <a:solidFill>
                 <a:srgbClr val="321704"/>
